--- a/Tableau Visuals On The Global Fight Against Tuberculosis.pptx
+++ b/Tableau Visuals On The Global Fight Against Tuberculosis.pptx
@@ -21,11 +21,11 @@
     <p:sldId id="266" r:id="rId12"/>
     <p:sldId id="276" r:id="rId13"/>
     <p:sldId id="277" r:id="rId14"/>
-    <p:sldId id="278" r:id="rId15"/>
-    <p:sldId id="279" r:id="rId16"/>
-    <p:sldId id="280" r:id="rId17"/>
-    <p:sldId id="281" r:id="rId18"/>
-    <p:sldId id="282" r:id="rId19"/>
+    <p:sldId id="285" r:id="rId15"/>
+    <p:sldId id="278" r:id="rId16"/>
+    <p:sldId id="279" r:id="rId17"/>
+    <p:sldId id="280" r:id="rId18"/>
+    <p:sldId id="281" r:id="rId19"/>
     <p:sldId id="283" r:id="rId20"/>
     <p:sldId id="284" r:id="rId21"/>
   </p:sldIdLst>
@@ -241,7 +241,7 @@
           <a:p>
             <a:fld id="{128FCA9C-FF92-4024-BDEC-A6D3B663DC09}" type="datetimeFigureOut">
               <a:rPr lang="en-US"/>
-              <a:t>3/18/2024</a:t>
+              <a:t>5/11/2024</a:t>
             </a:fld>
             <a:endParaRPr/>
           </a:p>
@@ -406,7 +406,7 @@
           <a:p>
             <a:fld id="{772AB877-E7B1-4681-847E-D0918612832B}" type="datetimeFigureOut">
               <a:rPr lang="en-US"/>
-              <a:t>3/18/2024</a:t>
+              <a:t>5/11/2024</a:t>
             </a:fld>
             <a:endParaRPr/>
           </a:p>
@@ -36429,7 +36429,7 @@
           <a:p>
             <a:fld id="{EDF33987-6305-4E2A-BF18-EF013ECE927B}" type="datetimeFigureOut">
               <a:rPr lang="en-US"/>
-              <a:t>3/18/2024</a:t>
+              <a:t>5/11/2024</a:t>
             </a:fld>
             <a:endParaRPr/>
           </a:p>
@@ -36641,7 +36641,7 @@
           <a:p>
             <a:fld id="{EDF33987-6305-4E2A-BF18-EF013ECE927B}" type="datetimeFigureOut">
               <a:rPr lang="en-US"/>
-              <a:t>3/18/2024</a:t>
+              <a:t>5/11/2024</a:t>
             </a:fld>
             <a:endParaRPr/>
           </a:p>
@@ -36843,7 +36843,7 @@
           <a:p>
             <a:fld id="{EDF33987-6305-4E2A-BF18-EF013ECE927B}" type="datetimeFigureOut">
               <a:rPr lang="en-US"/>
-              <a:t>3/18/2024</a:t>
+              <a:t>5/11/2024</a:t>
             </a:fld>
             <a:endParaRPr/>
           </a:p>
@@ -37108,7 +37108,7 @@
           <a:p>
             <a:fld id="{EDF33987-6305-4E2A-BF18-EF013ECE927B}" type="datetimeFigureOut">
               <a:rPr lang="en-US"/>
-              <a:t>3/18/2024</a:t>
+              <a:t>5/11/2024</a:t>
             </a:fld>
             <a:endParaRPr/>
           </a:p>
@@ -37416,7 +37416,7 @@
           <a:p>
             <a:fld id="{EDF33987-6305-4E2A-BF18-EF013ECE927B}" type="datetimeFigureOut">
               <a:rPr lang="en-US"/>
-              <a:t>3/18/2024</a:t>
+              <a:t>5/11/2024</a:t>
             </a:fld>
             <a:endParaRPr/>
           </a:p>
@@ -37876,7 +37876,7 @@
           <a:p>
             <a:fld id="{EDF33987-6305-4E2A-BF18-EF013ECE927B}" type="datetimeFigureOut">
               <a:rPr lang="en-US"/>
-              <a:t>3/18/2024</a:t>
+              <a:t>5/11/2024</a:t>
             </a:fld>
             <a:endParaRPr/>
           </a:p>
@@ -38010,7 +38010,7 @@
           <a:p>
             <a:fld id="{EDF33987-6305-4E2A-BF18-EF013ECE927B}" type="datetimeFigureOut">
               <a:rPr lang="en-US"/>
-              <a:t>3/18/2024</a:t>
+              <a:t>5/11/2024</a:t>
             </a:fld>
             <a:endParaRPr/>
           </a:p>
@@ -38121,7 +38121,7 @@
           <a:p>
             <a:fld id="{EDF33987-6305-4E2A-BF18-EF013ECE927B}" type="datetimeFigureOut">
               <a:rPr lang="en-US"/>
-              <a:t>3/18/2024</a:t>
+              <a:t>5/11/2024</a:t>
             </a:fld>
             <a:endParaRPr/>
           </a:p>
@@ -38492,7 +38492,7 @@
           <a:p>
             <a:fld id="{EDF33987-6305-4E2A-BF18-EF013ECE927B}" type="datetimeFigureOut">
               <a:rPr lang="en-US"/>
-              <a:t>3/18/2024</a:t>
+              <a:t>5/11/2024</a:t>
             </a:fld>
             <a:endParaRPr/>
           </a:p>
@@ -38856,7 +38856,7 @@
           <a:p>
             <a:fld id="{EDF33987-6305-4E2A-BF18-EF013ECE927B}" type="datetimeFigureOut">
               <a:rPr lang="en-US"/>
-              <a:t>3/18/2024</a:t>
+              <a:t>5/11/2024</a:t>
             </a:fld>
             <a:endParaRPr/>
           </a:p>
@@ -39124,7 +39124,7 @@
             <a:fld id="{EDF33987-6305-4E2A-BF18-EF013ECE927B}" type="datetimeFigureOut">
               <a:rPr lang="en-US" smtClean="0"/>
               <a:pPr/>
-              <a:t>3/18/2024</a:t>
+              <a:t>5/11/2024</a:t>
             </a:fld>
             <a:endParaRPr lang="en-US"/>
           </a:p>
@@ -39611,6 +39611,14 @@
 <file path=ppt/slides/slide10.xml><?xml version="1.0" encoding="utf-8"?>
 <p:sld xmlns:a="http://schemas.openxmlformats.org/drawingml/2006/main" xmlns:r="http://schemas.openxmlformats.org/officeDocument/2006/relationships" xmlns:p="http://schemas.openxmlformats.org/presentationml/2006/main">
   <p:cSld>
+    <p:bg>
+      <p:bgPr>
+        <a:solidFill>
+          <a:schemeClr val="bg1"/>
+        </a:solidFill>
+        <a:effectLst/>
+      </p:bgPr>
+    </p:bg>
     <p:spTree>
       <p:nvGrpSpPr>
         <p:cNvPr id="1" name=""/>
@@ -39625,12 +39633,75 @@
           <a:chExt cx="0" cy="0"/>
         </a:xfrm>
       </p:grpSpPr>
+      <p:sp>
+        <p:nvSpPr>
+          <p:cNvPr id="5" name="Rectangle 4">
+            <a:extLst>
+              <a:ext uri="{FF2B5EF4-FFF2-40B4-BE49-F238E27FC236}">
+                <a16:creationId xmlns:a16="http://schemas.microsoft.com/office/drawing/2014/main" id="{04AD8FA2-D7DB-514C-3CAB-1D84547DC323}"/>
+              </a:ext>
+            </a:extLst>
+          </p:cNvPr>
+          <p:cNvSpPr/>
+          <p:nvPr/>
+        </p:nvSpPr>
+        <p:spPr>
+          <a:xfrm>
+            <a:off x="6814492" y="6669360"/>
+            <a:ext cx="144016" cy="144016"/>
+          </a:xfrm>
+          <a:prstGeom prst="rect">
+            <a:avLst/>
+          </a:prstGeom>
+          <a:solidFill>
+            <a:schemeClr val="bg1"/>
+          </a:solidFill>
+          <a:ln>
+            <a:solidFill>
+              <a:schemeClr val="bg1"/>
+            </a:solidFill>
+          </a:ln>
+        </p:spPr>
+        <p:style>
+          <a:lnRef idx="2">
+            <a:schemeClr val="dk1">
+              <a:shade val="50000"/>
+            </a:schemeClr>
+          </a:lnRef>
+          <a:fillRef idx="1">
+            <a:schemeClr val="dk1"/>
+          </a:fillRef>
+          <a:effectRef idx="0">
+            <a:schemeClr val="dk1"/>
+          </a:effectRef>
+          <a:fontRef idx="minor">
+            <a:schemeClr val="lt1"/>
+          </a:fontRef>
+        </p:style>
+        <p:txBody>
+          <a:bodyPr rtlCol="0" anchor="ctr"/>
+          <a:lstStyle/>
+          <a:p>
+            <a:pPr algn="ctr"/>
+            <a:endParaRPr lang="en-CA" sz="2400">
+              <a:ln>
+                <a:solidFill>
+                  <a:schemeClr val="bg1"/>
+                </a:solidFill>
+              </a:ln>
+              <a:solidFill>
+                <a:schemeClr val="bg1"/>
+              </a:solidFill>
+            </a:endParaRPr>
+          </a:p>
+        </p:txBody>
+      </p:sp>
       <p:pic>
         <p:nvPicPr>
-          <p:cNvPr id="4" name="Picture 3">
+          <p:cNvPr id="7" name="Picture 6">
             <a:extLst>
               <a:ext uri="{FF2B5EF4-FFF2-40B4-BE49-F238E27FC236}">
-                <a16:creationId xmlns:a16="http://schemas.microsoft.com/office/drawing/2014/main" id="{EC4DBC63-1CE5-248E-3F12-0D52D48ECEB5}"/>
+                <a16:creationId xmlns:a16="http://schemas.microsoft.com/office/drawing/2014/main" id="{A96C4239-C078-006D-F684-401662C2BAD9}"/>
               </a:ext>
             </a:extLst>
           </p:cNvPr>
@@ -39647,14 +39718,68 @@
         </p:blipFill>
         <p:spPr>
           <a:xfrm>
-            <a:off x="1132073" y="0"/>
-            <a:ext cx="9924679" cy="6858000"/>
+            <a:off x="896620" y="0"/>
+            <a:ext cx="10395585" cy="6858000"/>
           </a:xfrm>
           <a:prstGeom prst="rect">
             <a:avLst/>
           </a:prstGeom>
         </p:spPr>
       </p:pic>
+      <p:sp>
+        <p:nvSpPr>
+          <p:cNvPr id="8" name="Rectangle 7">
+            <a:extLst>
+              <a:ext uri="{FF2B5EF4-FFF2-40B4-BE49-F238E27FC236}">
+                <a16:creationId xmlns:a16="http://schemas.microsoft.com/office/drawing/2014/main" id="{1AB4D39B-D988-7445-6A75-D8527066C81E}"/>
+              </a:ext>
+            </a:extLst>
+          </p:cNvPr>
+          <p:cNvSpPr/>
+          <p:nvPr/>
+        </p:nvSpPr>
+        <p:spPr>
+          <a:xfrm>
+            <a:off x="6238428" y="6669360"/>
+            <a:ext cx="144016" cy="144016"/>
+          </a:xfrm>
+          <a:prstGeom prst="rect">
+            <a:avLst/>
+          </a:prstGeom>
+          <a:solidFill>
+            <a:schemeClr val="bg1"/>
+          </a:solidFill>
+          <a:ln>
+            <a:solidFill>
+              <a:schemeClr val="bg1"/>
+            </a:solidFill>
+          </a:ln>
+        </p:spPr>
+        <p:style>
+          <a:lnRef idx="2">
+            <a:schemeClr val="dk1">
+              <a:shade val="50000"/>
+            </a:schemeClr>
+          </a:lnRef>
+          <a:fillRef idx="1">
+            <a:schemeClr val="dk1"/>
+          </a:fillRef>
+          <a:effectRef idx="0">
+            <a:schemeClr val="dk1"/>
+          </a:effectRef>
+          <a:fontRef idx="minor">
+            <a:schemeClr val="lt1"/>
+          </a:fontRef>
+        </p:style>
+        <p:txBody>
+          <a:bodyPr rtlCol="0" anchor="ctr"/>
+          <a:lstStyle/>
+          <a:p>
+            <a:pPr algn="ctr"/>
+            <a:endParaRPr lang="en-CA" sz="2400"/>
+          </a:p>
+        </p:txBody>
+      </p:sp>
     </p:spTree>
     <p:extLst>
       <p:ext uri="{BB962C8B-B14F-4D97-AF65-F5344CB8AC3E}">
@@ -39683,6 +39808,14 @@
 <file path=ppt/slides/slide11.xml><?xml version="1.0" encoding="utf-8"?>
 <p:sld xmlns:a="http://schemas.openxmlformats.org/drawingml/2006/main" xmlns:r="http://schemas.openxmlformats.org/officeDocument/2006/relationships" xmlns:p="http://schemas.openxmlformats.org/presentationml/2006/main">
   <p:cSld>
+    <p:bg>
+      <p:bgPr>
+        <a:solidFill>
+          <a:schemeClr val="bg1"/>
+        </a:solidFill>
+        <a:effectLst/>
+      </p:bgPr>
+    </p:bg>
     <p:spTree>
       <p:nvGrpSpPr>
         <p:cNvPr id="1" name=""/>
@@ -39699,10 +39832,10 @@
       </p:grpSpPr>
       <p:pic>
         <p:nvPicPr>
-          <p:cNvPr id="4" name="Picture 3">
+          <p:cNvPr id="5" name="Picture 4">
             <a:extLst>
               <a:ext uri="{FF2B5EF4-FFF2-40B4-BE49-F238E27FC236}">
-                <a16:creationId xmlns:a16="http://schemas.microsoft.com/office/drawing/2014/main" id="{6EBFBFC4-7F29-B919-04B3-AA6E3A96A779}"/>
+                <a16:creationId xmlns:a16="http://schemas.microsoft.com/office/drawing/2014/main" id="{B124A8F2-96FB-D7A3-96BA-C9BD3B0F887C}"/>
               </a:ext>
             </a:extLst>
           </p:cNvPr>
@@ -39719,14 +39852,256 @@
         </p:blipFill>
         <p:spPr>
           <a:xfrm>
-            <a:off x="1107833" y="0"/>
-            <a:ext cx="9973159" cy="6858000"/>
+            <a:off x="650023" y="0"/>
+            <a:ext cx="10888778" cy="6858000"/>
           </a:xfrm>
           <a:prstGeom prst="rect">
             <a:avLst/>
           </a:prstGeom>
         </p:spPr>
       </p:pic>
+      <p:sp>
+        <p:nvSpPr>
+          <p:cNvPr id="6" name="Rectangle 5">
+            <a:extLst>
+              <a:ext uri="{FF2B5EF4-FFF2-40B4-BE49-F238E27FC236}">
+                <a16:creationId xmlns:a16="http://schemas.microsoft.com/office/drawing/2014/main" id="{C7F1B788-4542-6B9B-C258-2B5F80F1033E}"/>
+              </a:ext>
+            </a:extLst>
+          </p:cNvPr>
+          <p:cNvSpPr/>
+          <p:nvPr/>
+        </p:nvSpPr>
+        <p:spPr>
+          <a:xfrm>
+            <a:off x="6238428" y="6669360"/>
+            <a:ext cx="144016" cy="144016"/>
+          </a:xfrm>
+          <a:prstGeom prst="rect">
+            <a:avLst/>
+          </a:prstGeom>
+          <a:solidFill>
+            <a:schemeClr val="bg1"/>
+          </a:solidFill>
+          <a:ln>
+            <a:solidFill>
+              <a:schemeClr val="bg1"/>
+            </a:solidFill>
+          </a:ln>
+        </p:spPr>
+        <p:style>
+          <a:lnRef idx="2">
+            <a:schemeClr val="dk1">
+              <a:shade val="50000"/>
+            </a:schemeClr>
+          </a:lnRef>
+          <a:fillRef idx="1">
+            <a:schemeClr val="dk1"/>
+          </a:fillRef>
+          <a:effectRef idx="0">
+            <a:schemeClr val="dk1"/>
+          </a:effectRef>
+          <a:fontRef idx="minor">
+            <a:schemeClr val="lt1"/>
+          </a:fontRef>
+        </p:style>
+        <p:txBody>
+          <a:bodyPr rtlCol="0" anchor="ctr"/>
+          <a:lstStyle/>
+          <a:p>
+            <a:pPr algn="ctr"/>
+            <a:endParaRPr lang="en-CA" sz="2400"/>
+          </a:p>
+        </p:txBody>
+      </p:sp>
+    </p:spTree>
+    <p:extLst>
+      <p:ext uri="{BB962C8B-B14F-4D97-AF65-F5344CB8AC3E}">
+        <p14:creationId xmlns:p14="http://schemas.microsoft.com/office/powerpoint/2010/main" val="1561741442"/>
+      </p:ext>
+    </p:extLst>
+  </p:cSld>
+  <p:clrMapOvr>
+    <a:masterClrMapping/>
+  </p:clrMapOvr>
+  <mc:AlternateContent xmlns:mc="http://schemas.openxmlformats.org/markup-compatibility/2006" xmlns:p14="http://schemas.microsoft.com/office/powerpoint/2010/main">
+    <mc:Choice Requires="p14">
+      <p:transition spd="med" p14:dur="700">
+        <p:fade/>
+      </p:transition>
+    </mc:Choice>
+    <mc:Fallback xmlns="">
+      <p:transition spd="med">
+        <p:fade/>
+      </p:transition>
+    </mc:Fallback>
+  </mc:AlternateContent>
+</p:sld>
+</file>
+
+<file path=ppt/slides/slide12.xml><?xml version="1.0" encoding="utf-8"?>
+<p:sld xmlns:a="http://schemas.openxmlformats.org/drawingml/2006/main" xmlns:r="http://schemas.openxmlformats.org/officeDocument/2006/relationships" xmlns:p="http://schemas.openxmlformats.org/presentationml/2006/main">
+  <p:cSld>
+    <p:bg>
+      <p:bgPr>
+        <a:solidFill>
+          <a:schemeClr val="bg1"/>
+        </a:solidFill>
+        <a:effectLst/>
+      </p:bgPr>
+    </p:bg>
+    <p:spTree>
+      <p:nvGrpSpPr>
+        <p:cNvPr id="1" name=""/>
+        <p:cNvGrpSpPr/>
+        <p:nvPr/>
+      </p:nvGrpSpPr>
+      <p:grpSpPr>
+        <a:xfrm>
+          <a:off x="0" y="0"/>
+          <a:ext cx="0" cy="0"/>
+          <a:chOff x="0" y="0"/>
+          <a:chExt cx="0" cy="0"/>
+        </a:xfrm>
+      </p:grpSpPr>
+      <p:sp>
+        <p:nvSpPr>
+          <p:cNvPr id="5" name="Rectangle 4">
+            <a:extLst>
+              <a:ext uri="{FF2B5EF4-FFF2-40B4-BE49-F238E27FC236}">
+                <a16:creationId xmlns:a16="http://schemas.microsoft.com/office/drawing/2014/main" id="{962389FE-814D-607B-D179-DC3FC666822E}"/>
+              </a:ext>
+            </a:extLst>
+          </p:cNvPr>
+          <p:cNvSpPr/>
+          <p:nvPr/>
+        </p:nvSpPr>
+        <p:spPr>
+          <a:xfrm>
+            <a:off x="6886500" y="6669360"/>
+            <a:ext cx="144016" cy="144016"/>
+          </a:xfrm>
+          <a:prstGeom prst="rect">
+            <a:avLst/>
+          </a:prstGeom>
+          <a:solidFill>
+            <a:schemeClr val="bg1"/>
+          </a:solidFill>
+          <a:ln>
+            <a:solidFill>
+              <a:schemeClr val="bg1"/>
+            </a:solidFill>
+          </a:ln>
+        </p:spPr>
+        <p:style>
+          <a:lnRef idx="2">
+            <a:schemeClr val="dk1">
+              <a:shade val="50000"/>
+            </a:schemeClr>
+          </a:lnRef>
+          <a:fillRef idx="1">
+            <a:schemeClr val="dk1"/>
+          </a:fillRef>
+          <a:effectRef idx="0">
+            <a:schemeClr val="dk1"/>
+          </a:effectRef>
+          <a:fontRef idx="minor">
+            <a:schemeClr val="lt1"/>
+          </a:fontRef>
+        </p:style>
+        <p:txBody>
+          <a:bodyPr rtlCol="0" anchor="ctr"/>
+          <a:lstStyle/>
+          <a:p>
+            <a:pPr algn="ctr"/>
+            <a:endParaRPr lang="en-CA" sz="2400"/>
+          </a:p>
+        </p:txBody>
+      </p:sp>
+      <p:pic>
+        <p:nvPicPr>
+          <p:cNvPr id="7" name="Picture 6">
+            <a:extLst>
+              <a:ext uri="{FF2B5EF4-FFF2-40B4-BE49-F238E27FC236}">
+                <a16:creationId xmlns:a16="http://schemas.microsoft.com/office/drawing/2014/main" id="{326DF815-0E62-A524-FAC8-DD1A056D050A}"/>
+              </a:ext>
+            </a:extLst>
+          </p:cNvPr>
+          <p:cNvPicPr>
+            <a:picLocks noChangeAspect="1"/>
+          </p:cNvPicPr>
+          <p:nvPr/>
+        </p:nvPicPr>
+        <p:blipFill>
+          <a:blip r:embed="rId2"/>
+          <a:stretch>
+            <a:fillRect/>
+          </a:stretch>
+        </p:blipFill>
+        <p:spPr>
+          <a:xfrm>
+            <a:off x="668240" y="0"/>
+            <a:ext cx="10852344" cy="6858000"/>
+          </a:xfrm>
+          <a:prstGeom prst="rect">
+            <a:avLst/>
+          </a:prstGeom>
+        </p:spPr>
+      </p:pic>
+      <p:sp>
+        <p:nvSpPr>
+          <p:cNvPr id="8" name="Rectangle 7">
+            <a:extLst>
+              <a:ext uri="{FF2B5EF4-FFF2-40B4-BE49-F238E27FC236}">
+                <a16:creationId xmlns:a16="http://schemas.microsoft.com/office/drawing/2014/main" id="{6107053F-16C1-D4A8-ABD1-E7E23E07DC72}"/>
+              </a:ext>
+            </a:extLst>
+          </p:cNvPr>
+          <p:cNvSpPr/>
+          <p:nvPr/>
+        </p:nvSpPr>
+        <p:spPr>
+          <a:xfrm>
+            <a:off x="6248647" y="6669360"/>
+            <a:ext cx="144016" cy="144016"/>
+          </a:xfrm>
+          <a:prstGeom prst="rect">
+            <a:avLst/>
+          </a:prstGeom>
+          <a:solidFill>
+            <a:schemeClr val="bg1"/>
+          </a:solidFill>
+          <a:ln>
+            <a:solidFill>
+              <a:schemeClr val="bg1"/>
+            </a:solidFill>
+          </a:ln>
+        </p:spPr>
+        <p:style>
+          <a:lnRef idx="2">
+            <a:schemeClr val="dk1">
+              <a:shade val="50000"/>
+            </a:schemeClr>
+          </a:lnRef>
+          <a:fillRef idx="1">
+            <a:schemeClr val="dk1"/>
+          </a:fillRef>
+          <a:effectRef idx="0">
+            <a:schemeClr val="dk1"/>
+          </a:effectRef>
+          <a:fontRef idx="minor">
+            <a:schemeClr val="lt1"/>
+          </a:fontRef>
+        </p:style>
+        <p:txBody>
+          <a:bodyPr rtlCol="0" anchor="ctr"/>
+          <a:lstStyle/>
+          <a:p>
+            <a:pPr algn="ctr"/>
+            <a:endParaRPr lang="en-CA" sz="2400"/>
+          </a:p>
+        </p:txBody>
+      </p:sp>
     </p:spTree>
     <p:extLst>
       <p:ext uri="{BB962C8B-B14F-4D97-AF65-F5344CB8AC3E}">
@@ -39752,9 +40127,17 @@
 </p:sld>
 </file>
 
-<file path=ppt/slides/slide12.xml><?xml version="1.0" encoding="utf-8"?>
+<file path=ppt/slides/slide13.xml><?xml version="1.0" encoding="utf-8"?>
 <p:sld xmlns:a="http://schemas.openxmlformats.org/drawingml/2006/main" xmlns:r="http://schemas.openxmlformats.org/officeDocument/2006/relationships" xmlns:p="http://schemas.openxmlformats.org/presentationml/2006/main">
   <p:cSld>
+    <p:bg>
+      <p:bgPr>
+        <a:solidFill>
+          <a:schemeClr val="bg1"/>
+        </a:solidFill>
+        <a:effectLst/>
+      </p:bgPr>
+    </p:bg>
     <p:spTree>
       <p:nvGrpSpPr>
         <p:cNvPr id="1" name=""/>
@@ -39771,10 +40154,10 @@
       </p:grpSpPr>
       <p:pic>
         <p:nvPicPr>
-          <p:cNvPr id="4" name="Picture 3">
+          <p:cNvPr id="3" name="Picture 2">
             <a:extLst>
               <a:ext uri="{FF2B5EF4-FFF2-40B4-BE49-F238E27FC236}">
-                <a16:creationId xmlns:a16="http://schemas.microsoft.com/office/drawing/2014/main" id="{48FB09C4-D3D6-DCDC-87D4-B64EE644B7D9}"/>
+                <a16:creationId xmlns:a16="http://schemas.microsoft.com/office/drawing/2014/main" id="{9E9050E3-96AB-4E2E-DB4E-7E11553A5B1D}"/>
               </a:ext>
             </a:extLst>
           </p:cNvPr>
@@ -39791,8 +40174,8 @@
         </p:blipFill>
         <p:spPr>
           <a:xfrm>
-            <a:off x="1091969" y="0"/>
-            <a:ext cx="10004886" cy="6858000"/>
+            <a:off x="611450" y="0"/>
+            <a:ext cx="10965925" cy="6858000"/>
           </a:xfrm>
           <a:prstGeom prst="rect">
             <a:avLst/>
@@ -39824,9 +40207,17 @@
 </p:sld>
 </file>
 
-<file path=ppt/slides/slide13.xml><?xml version="1.0" encoding="utf-8"?>
+<file path=ppt/slides/slide14.xml><?xml version="1.0" encoding="utf-8"?>
 <p:sld xmlns:a="http://schemas.openxmlformats.org/drawingml/2006/main" xmlns:r="http://schemas.openxmlformats.org/officeDocument/2006/relationships" xmlns:p="http://schemas.openxmlformats.org/presentationml/2006/main">
   <p:cSld>
+    <p:bg>
+      <p:bgPr>
+        <a:solidFill>
+          <a:schemeClr val="bg1"/>
+        </a:solidFill>
+        <a:effectLst/>
+      </p:bgPr>
+    </p:bg>
     <p:spTree>
       <p:nvGrpSpPr>
         <p:cNvPr id="1" name=""/>
@@ -39843,10 +40234,10 @@
       </p:grpSpPr>
       <p:pic>
         <p:nvPicPr>
-          <p:cNvPr id="4" name="Picture 3">
+          <p:cNvPr id="3" name="Picture 2">
             <a:extLst>
               <a:ext uri="{FF2B5EF4-FFF2-40B4-BE49-F238E27FC236}">
-                <a16:creationId xmlns:a16="http://schemas.microsoft.com/office/drawing/2014/main" id="{25B70096-CDF9-B502-795B-E18081C44238}"/>
+                <a16:creationId xmlns:a16="http://schemas.microsoft.com/office/drawing/2014/main" id="{31A6F29F-7066-C58A-1AED-E1C7E810DA0B}"/>
               </a:ext>
             </a:extLst>
           </p:cNvPr>
@@ -39863,14 +40254,68 @@
         </p:blipFill>
         <p:spPr>
           <a:xfrm>
-            <a:off x="1104666" y="0"/>
-            <a:ext cx="9979493" cy="6858000"/>
+            <a:off x="593665" y="0"/>
+            <a:ext cx="11001495" cy="6858000"/>
           </a:xfrm>
           <a:prstGeom prst="rect">
             <a:avLst/>
           </a:prstGeom>
         </p:spPr>
       </p:pic>
+      <p:sp>
+        <p:nvSpPr>
+          <p:cNvPr id="5" name="Rectangle 4">
+            <a:extLst>
+              <a:ext uri="{FF2B5EF4-FFF2-40B4-BE49-F238E27FC236}">
+                <a16:creationId xmlns:a16="http://schemas.microsoft.com/office/drawing/2014/main" id="{BB480ED5-F756-31C5-2B70-A257F1DD8FC9}"/>
+              </a:ext>
+            </a:extLst>
+          </p:cNvPr>
+          <p:cNvSpPr/>
+          <p:nvPr/>
+        </p:nvSpPr>
+        <p:spPr>
+          <a:xfrm>
+            <a:off x="6238428" y="6669360"/>
+            <a:ext cx="144016" cy="144016"/>
+          </a:xfrm>
+          <a:prstGeom prst="rect">
+            <a:avLst/>
+          </a:prstGeom>
+          <a:solidFill>
+            <a:schemeClr val="bg1"/>
+          </a:solidFill>
+          <a:ln>
+            <a:solidFill>
+              <a:schemeClr val="bg1"/>
+            </a:solidFill>
+          </a:ln>
+        </p:spPr>
+        <p:style>
+          <a:lnRef idx="2">
+            <a:schemeClr val="dk1">
+              <a:shade val="50000"/>
+            </a:schemeClr>
+          </a:lnRef>
+          <a:fillRef idx="1">
+            <a:schemeClr val="dk1"/>
+          </a:fillRef>
+          <a:effectRef idx="0">
+            <a:schemeClr val="dk1"/>
+          </a:effectRef>
+          <a:fontRef idx="minor">
+            <a:schemeClr val="lt1"/>
+          </a:fontRef>
+        </p:style>
+        <p:txBody>
+          <a:bodyPr rtlCol="0" anchor="ctr"/>
+          <a:lstStyle/>
+          <a:p>
+            <a:pPr algn="ctr"/>
+            <a:endParaRPr lang="en-CA" sz="2400"/>
+          </a:p>
+        </p:txBody>
+      </p:sp>
     </p:spTree>
     <p:extLst>
       <p:ext uri="{BB962C8B-B14F-4D97-AF65-F5344CB8AC3E}">
@@ -39896,9 +40341,17 @@
 </p:sld>
 </file>
 
-<file path=ppt/slides/slide14.xml><?xml version="1.0" encoding="utf-8"?>
+<file path=ppt/slides/slide15.xml><?xml version="1.0" encoding="utf-8"?>
 <p:sld xmlns:a="http://schemas.openxmlformats.org/drawingml/2006/main" xmlns:r="http://schemas.openxmlformats.org/officeDocument/2006/relationships" xmlns:p="http://schemas.openxmlformats.org/presentationml/2006/main">
   <p:cSld>
+    <p:bg>
+      <p:bgPr>
+        <a:solidFill>
+          <a:schemeClr val="bg1"/>
+        </a:solidFill>
+        <a:effectLst/>
+      </p:bgPr>
+    </p:bg>
     <p:spTree>
       <p:nvGrpSpPr>
         <p:cNvPr id="1" name=""/>
@@ -39915,10 +40368,10 @@
       </p:grpSpPr>
       <p:pic>
         <p:nvPicPr>
-          <p:cNvPr id="4" name="Picture 3">
+          <p:cNvPr id="3" name="Picture 2">
             <a:extLst>
               <a:ext uri="{FF2B5EF4-FFF2-40B4-BE49-F238E27FC236}">
-                <a16:creationId xmlns:a16="http://schemas.microsoft.com/office/drawing/2014/main" id="{65DA624D-068E-903B-5041-4A75AAD5D839}"/>
+                <a16:creationId xmlns:a16="http://schemas.microsoft.com/office/drawing/2014/main" id="{112B73B5-4778-9398-D567-D26F32100434}"/>
               </a:ext>
             </a:extLst>
           </p:cNvPr>
@@ -39935,8 +40388,8 @@
         </p:blipFill>
         <p:spPr>
           <a:xfrm>
-            <a:off x="1115516" y="0"/>
-            <a:ext cx="9957792" cy="6858000"/>
+            <a:off x="626856" y="0"/>
+            <a:ext cx="10935112" cy="6858000"/>
           </a:xfrm>
           <a:prstGeom prst="rect">
             <a:avLst/>
@@ -39968,9 +40421,17 @@
 </p:sld>
 </file>
 
-<file path=ppt/slides/slide15.xml><?xml version="1.0" encoding="utf-8"?>
+<file path=ppt/slides/slide16.xml><?xml version="1.0" encoding="utf-8"?>
 <p:sld xmlns:a="http://schemas.openxmlformats.org/drawingml/2006/main" xmlns:r="http://schemas.openxmlformats.org/officeDocument/2006/relationships" xmlns:p="http://schemas.openxmlformats.org/presentationml/2006/main">
   <p:cSld>
+    <p:bg>
+      <p:bgPr>
+        <a:solidFill>
+          <a:schemeClr val="bg1"/>
+        </a:solidFill>
+        <a:effectLst/>
+      </p:bgPr>
+    </p:bg>
     <p:spTree>
       <p:nvGrpSpPr>
         <p:cNvPr id="1" name=""/>
@@ -39987,10 +40448,10 @@
       </p:grpSpPr>
       <p:pic>
         <p:nvPicPr>
-          <p:cNvPr id="4" name="Picture 3">
+          <p:cNvPr id="3" name="Picture 2">
             <a:extLst>
               <a:ext uri="{FF2B5EF4-FFF2-40B4-BE49-F238E27FC236}">
-                <a16:creationId xmlns:a16="http://schemas.microsoft.com/office/drawing/2014/main" id="{38C59DC2-9A03-AFDE-394F-EB1DDD6D6FC0}"/>
+                <a16:creationId xmlns:a16="http://schemas.microsoft.com/office/drawing/2014/main" id="{8ACD4438-8766-BB0A-3D51-1ECE58CA01D4}"/>
               </a:ext>
             </a:extLst>
           </p:cNvPr>
@@ -40007,86 +40468,68 @@
         </p:blipFill>
         <p:spPr>
           <a:xfrm>
-            <a:off x="1102793" y="0"/>
-            <a:ext cx="9983238" cy="6858000"/>
+            <a:off x="649524" y="0"/>
+            <a:ext cx="10889776" cy="6858000"/>
           </a:xfrm>
           <a:prstGeom prst="rect">
             <a:avLst/>
           </a:prstGeom>
         </p:spPr>
       </p:pic>
-    </p:spTree>
-    <p:extLst>
-      <p:ext uri="{BB962C8B-B14F-4D97-AF65-F5344CB8AC3E}">
-        <p14:creationId xmlns:p14="http://schemas.microsoft.com/office/powerpoint/2010/main" val="2797609787"/>
-      </p:ext>
-    </p:extLst>
-  </p:cSld>
-  <p:clrMapOvr>
-    <a:masterClrMapping/>
-  </p:clrMapOvr>
-  <mc:AlternateContent xmlns:mc="http://schemas.openxmlformats.org/markup-compatibility/2006" xmlns:p14="http://schemas.microsoft.com/office/powerpoint/2010/main">
-    <mc:Choice Requires="p14">
-      <p:transition spd="med" p14:dur="700">
-        <p:fade/>
-      </p:transition>
-    </mc:Choice>
-    <mc:Fallback xmlns="">
-      <p:transition spd="med">
-        <p:fade/>
-      </p:transition>
-    </mc:Fallback>
-  </mc:AlternateContent>
-</p:sld>
-</file>
-
-<file path=ppt/slides/slide16.xml><?xml version="1.0" encoding="utf-8"?>
-<p:sld xmlns:a="http://schemas.openxmlformats.org/drawingml/2006/main" xmlns:r="http://schemas.openxmlformats.org/officeDocument/2006/relationships" xmlns:p="http://schemas.openxmlformats.org/presentationml/2006/main">
-  <p:cSld>
-    <p:spTree>
-      <p:nvGrpSpPr>
-        <p:cNvPr id="1" name=""/>
-        <p:cNvGrpSpPr/>
-        <p:nvPr/>
-      </p:nvGrpSpPr>
-      <p:grpSpPr>
-        <a:xfrm>
-          <a:off x="0" y="0"/>
-          <a:ext cx="0" cy="0"/>
-          <a:chOff x="0" y="0"/>
-          <a:chExt cx="0" cy="0"/>
-        </a:xfrm>
-      </p:grpSpPr>
-      <p:pic>
-        <p:nvPicPr>
-          <p:cNvPr id="4" name="Picture 3">
+      <p:sp>
+        <p:nvSpPr>
+          <p:cNvPr id="5" name="Rectangle 4">
             <a:extLst>
               <a:ext uri="{FF2B5EF4-FFF2-40B4-BE49-F238E27FC236}">
-                <a16:creationId xmlns:a16="http://schemas.microsoft.com/office/drawing/2014/main" id="{69B9DBF8-5FB4-DDEF-FF33-131D4D593374}"/>
+                <a16:creationId xmlns:a16="http://schemas.microsoft.com/office/drawing/2014/main" id="{BEF07212-20EA-09AD-6FFE-A865B1DC25CD}"/>
               </a:ext>
             </a:extLst>
           </p:cNvPr>
-          <p:cNvPicPr>
-            <a:picLocks noChangeAspect="1"/>
-          </p:cNvPicPr>
+          <p:cNvSpPr/>
           <p:nvPr/>
-        </p:nvPicPr>
-        <p:blipFill>
-          <a:blip r:embed="rId2"/>
-          <a:stretch>
-            <a:fillRect/>
-          </a:stretch>
-        </p:blipFill>
+        </p:nvSpPr>
         <p:spPr>
           <a:xfrm>
-            <a:off x="1100126" y="0"/>
-            <a:ext cx="9988572" cy="6858000"/>
+            <a:off x="6238428" y="6669360"/>
+            <a:ext cx="144016" cy="144016"/>
           </a:xfrm>
           <a:prstGeom prst="rect">
             <a:avLst/>
           </a:prstGeom>
+          <a:solidFill>
+            <a:schemeClr val="bg1"/>
+          </a:solidFill>
+          <a:ln>
+            <a:solidFill>
+              <a:schemeClr val="bg1"/>
+            </a:solidFill>
+          </a:ln>
         </p:spPr>
-      </p:pic>
+        <p:style>
+          <a:lnRef idx="2">
+            <a:schemeClr val="dk1">
+              <a:shade val="50000"/>
+            </a:schemeClr>
+          </a:lnRef>
+          <a:fillRef idx="1">
+            <a:schemeClr val="dk1"/>
+          </a:fillRef>
+          <a:effectRef idx="0">
+            <a:schemeClr val="dk1"/>
+          </a:effectRef>
+          <a:fontRef idx="minor">
+            <a:schemeClr val="lt1"/>
+          </a:fontRef>
+        </p:style>
+        <p:txBody>
+          <a:bodyPr rtlCol="0" anchor="ctr"/>
+          <a:lstStyle/>
+          <a:p>
+            <a:pPr algn="ctr"/>
+            <a:endParaRPr lang="en-CA" sz="2400"/>
+          </a:p>
+        </p:txBody>
+      </p:sp>
     </p:spTree>
     <p:extLst>
       <p:ext uri="{BB962C8B-B14F-4D97-AF65-F5344CB8AC3E}">
@@ -40115,6 +40558,14 @@
 <file path=ppt/slides/slide17.xml><?xml version="1.0" encoding="utf-8"?>
 <p:sld xmlns:a="http://schemas.openxmlformats.org/drawingml/2006/main" xmlns:r="http://schemas.openxmlformats.org/officeDocument/2006/relationships" xmlns:p="http://schemas.openxmlformats.org/presentationml/2006/main">
   <p:cSld>
+    <p:bg>
+      <p:bgPr>
+        <a:solidFill>
+          <a:schemeClr val="bg1"/>
+        </a:solidFill>
+        <a:effectLst/>
+      </p:bgPr>
+    </p:bg>
     <p:spTree>
       <p:nvGrpSpPr>
         <p:cNvPr id="1" name=""/>
@@ -40131,10 +40582,10 @@
       </p:grpSpPr>
       <p:pic>
         <p:nvPicPr>
-          <p:cNvPr id="4" name="Picture 3">
+          <p:cNvPr id="3" name="Picture 2">
             <a:extLst>
               <a:ext uri="{FF2B5EF4-FFF2-40B4-BE49-F238E27FC236}">
-                <a16:creationId xmlns:a16="http://schemas.microsoft.com/office/drawing/2014/main" id="{17691B2F-261B-D036-78F8-12330C3B2929}"/>
+                <a16:creationId xmlns:a16="http://schemas.microsoft.com/office/drawing/2014/main" id="{46210483-7559-EA9B-30FA-9DF15F11999D}"/>
               </a:ext>
             </a:extLst>
           </p:cNvPr>
@@ -40151,14 +40602,68 @@
         </p:blipFill>
         <p:spPr>
           <a:xfrm>
-            <a:off x="1117580" y="0"/>
-            <a:ext cx="9953665" cy="6858000"/>
+            <a:off x="463903" y="0"/>
+            <a:ext cx="11261018" cy="6858000"/>
           </a:xfrm>
           <a:prstGeom prst="rect">
             <a:avLst/>
           </a:prstGeom>
         </p:spPr>
       </p:pic>
+      <p:sp>
+        <p:nvSpPr>
+          <p:cNvPr id="5" name="Rectangle 4">
+            <a:extLst>
+              <a:ext uri="{FF2B5EF4-FFF2-40B4-BE49-F238E27FC236}">
+                <a16:creationId xmlns:a16="http://schemas.microsoft.com/office/drawing/2014/main" id="{65A4A614-C5C1-29AF-D927-1468DF1D7499}"/>
+              </a:ext>
+            </a:extLst>
+          </p:cNvPr>
+          <p:cNvSpPr/>
+          <p:nvPr/>
+        </p:nvSpPr>
+        <p:spPr>
+          <a:xfrm>
+            <a:off x="6238428" y="6669360"/>
+            <a:ext cx="144016" cy="144016"/>
+          </a:xfrm>
+          <a:prstGeom prst="rect">
+            <a:avLst/>
+          </a:prstGeom>
+          <a:solidFill>
+            <a:schemeClr val="bg1"/>
+          </a:solidFill>
+          <a:ln>
+            <a:solidFill>
+              <a:schemeClr val="bg1"/>
+            </a:solidFill>
+          </a:ln>
+        </p:spPr>
+        <p:style>
+          <a:lnRef idx="2">
+            <a:schemeClr val="dk1">
+              <a:shade val="50000"/>
+            </a:schemeClr>
+          </a:lnRef>
+          <a:fillRef idx="1">
+            <a:schemeClr val="dk1"/>
+          </a:fillRef>
+          <a:effectRef idx="0">
+            <a:schemeClr val="dk1"/>
+          </a:effectRef>
+          <a:fontRef idx="minor">
+            <a:schemeClr val="lt1"/>
+          </a:fontRef>
+        </p:style>
+        <p:txBody>
+          <a:bodyPr rtlCol="0" anchor="ctr"/>
+          <a:lstStyle/>
+          <a:p>
+            <a:pPr algn="ctr"/>
+            <a:endParaRPr lang="en-CA" sz="2400"/>
+          </a:p>
+        </p:txBody>
+      </p:sp>
     </p:spTree>
     <p:extLst>
       <p:ext uri="{BB962C8B-B14F-4D97-AF65-F5344CB8AC3E}">
@@ -40187,6 +40692,14 @@
 <file path=ppt/slides/slide2.xml><?xml version="1.0" encoding="utf-8"?>
 <p:sld xmlns:a="http://schemas.openxmlformats.org/drawingml/2006/main" xmlns:r="http://schemas.openxmlformats.org/officeDocument/2006/relationships" xmlns:p="http://schemas.openxmlformats.org/presentationml/2006/main">
   <p:cSld>
+    <p:bg>
+      <p:bgPr>
+        <a:solidFill>
+          <a:schemeClr val="bg1"/>
+        </a:solidFill>
+        <a:effectLst/>
+      </p:bgPr>
+    </p:bg>
     <p:spTree>
       <p:nvGrpSpPr>
         <p:cNvPr id="1" name=""/>
@@ -40463,6 +40976,14 @@
 <file path=ppt/slides/slide5.xml><?xml version="1.0" encoding="utf-8"?>
 <p:sld xmlns:a="http://schemas.openxmlformats.org/drawingml/2006/main" xmlns:r="http://schemas.openxmlformats.org/officeDocument/2006/relationships" xmlns:p="http://schemas.openxmlformats.org/presentationml/2006/main">
   <p:cSld>
+    <p:bg>
+      <p:bgPr>
+        <a:solidFill>
+          <a:schemeClr val="bg1"/>
+        </a:solidFill>
+        <a:effectLst/>
+      </p:bgPr>
+    </p:bg>
     <p:spTree>
       <p:nvGrpSpPr>
         <p:cNvPr id="1" name=""/>
@@ -40565,6 +41086,14 @@
 <file path=ppt/slides/slide6.xml><?xml version="1.0" encoding="utf-8"?>
 <p:sld xmlns:a="http://schemas.openxmlformats.org/drawingml/2006/main" xmlns:r="http://schemas.openxmlformats.org/officeDocument/2006/relationships" xmlns:p="http://schemas.openxmlformats.org/presentationml/2006/main">
   <p:cSld>
+    <p:bg>
+      <p:bgPr>
+        <a:solidFill>
+          <a:schemeClr val="bg1"/>
+        </a:solidFill>
+        <a:effectLst/>
+      </p:bgPr>
+    </p:bg>
     <p:spTree>
       <p:nvGrpSpPr>
         <p:cNvPr id="1" name=""/>
@@ -40931,6 +41460,14 @@
 <file path=ppt/slides/slide9.xml><?xml version="1.0" encoding="utf-8"?>
 <p:sld xmlns:a="http://schemas.openxmlformats.org/drawingml/2006/main" xmlns:r="http://schemas.openxmlformats.org/officeDocument/2006/relationships" xmlns:p="http://schemas.openxmlformats.org/presentationml/2006/main">
   <p:cSld>
+    <p:bg>
+      <p:bgPr>
+        <a:solidFill>
+          <a:schemeClr val="bg1"/>
+        </a:solidFill>
+        <a:effectLst/>
+      </p:bgPr>
+    </p:bg>
     <p:spTree>
       <p:nvGrpSpPr>
         <p:cNvPr id="1" name=""/>
@@ -41871,6 +42408,15 @@
 </file>
 
 <file path=customXml/item1.xml><?xml version="1.0" encoding="utf-8"?>
+<?mso-contentType ?>
+<FormTemplates xmlns="http://schemas.microsoft.com/sharepoint/v3/contenttype/forms">
+  <Display>DocumentLibraryForm</Display>
+  <Edit>DocumentLibraryForm</Edit>
+  <New>DocumentLibraryForm</New>
+</FormTemplates>
+</file>
+
+<file path=customXml/item2.xml><?xml version="1.0" encoding="utf-8"?>
 <p:properties xmlns:p="http://schemas.microsoft.com/office/2006/metadata/properties" xmlns:xsi="http://www.w3.org/2001/XMLSchema-instance" xmlns:pc="http://schemas.microsoft.com/office/infopath/2007/PartnerControls">
   <documentManagement>
     <_ip_UnifiedCompliancePolicyUIAction xmlns="http://schemas.microsoft.com/sharepoint/v3" xsi:nil="true"/>
@@ -41888,15 +42434,6 @@
     <MediaServiceKeyPoints xmlns="71af3243-3dd4-4a8d-8c0d-dd76da1f02a5" xsi:nil="true"/>
   </documentManagement>
 </p:properties>
-</file>
-
-<file path=customXml/item2.xml><?xml version="1.0" encoding="utf-8"?>
-<?mso-contentType ?>
-<FormTemplates xmlns="http://schemas.microsoft.com/sharepoint/v3/contenttype/forms">
-  <Display>DocumentLibraryForm</Display>
-  <Edit>DocumentLibraryForm</Edit>
-  <New>DocumentLibraryForm</New>
-</FormTemplates>
 </file>
 
 <file path=customXml/item3.xml><?xml version="1.0" encoding="utf-8"?>
@@ -42188,6 +42725,14 @@
 </file>
 
 <file path=customXml/itemProps1.xml><?xml version="1.0" encoding="utf-8"?>
+<ds:datastoreItem xmlns:ds="http://schemas.openxmlformats.org/officeDocument/2006/customXml" ds:itemID="{8044EB16-B03D-470B-9114-C14CDABBCF54}">
+  <ds:schemaRefs>
+    <ds:schemaRef ds:uri="http://schemas.microsoft.com/sharepoint/v3/contenttype/forms"/>
+  </ds:schemaRefs>
+</ds:datastoreItem>
+</file>
+
+<file path=customXml/itemProps2.xml><?xml version="1.0" encoding="utf-8"?>
 <ds:datastoreItem xmlns:ds="http://schemas.openxmlformats.org/officeDocument/2006/customXml" ds:itemID="{49E4F0FA-B85E-4BA9-8FBF-6FF0949B8FE5}">
   <ds:schemaRefs>
     <ds:schemaRef ds:uri="http://schemas.microsoft.com/office/2006/metadata/properties"/>
@@ -42195,14 +42740,6 @@
     <ds:schemaRef ds:uri="http://schemas.microsoft.com/sharepoint/v3"/>
     <ds:schemaRef ds:uri="71af3243-3dd4-4a8d-8c0d-dd76da1f02a5"/>
     <ds:schemaRef ds:uri="230e9df3-be65-4c73-a93b-d1236ebd677e"/>
-  </ds:schemaRefs>
-</ds:datastoreItem>
-</file>
-
-<file path=customXml/itemProps2.xml><?xml version="1.0" encoding="utf-8"?>
-<ds:datastoreItem xmlns:ds="http://schemas.openxmlformats.org/officeDocument/2006/customXml" ds:itemID="{8044EB16-B03D-470B-9114-C14CDABBCF54}">
-  <ds:schemaRefs>
-    <ds:schemaRef ds:uri="http://schemas.microsoft.com/sharepoint/v3/contenttype/forms"/>
   </ds:schemaRefs>
 </ds:datastoreItem>
 </file>
